--- a/presentations/RBasics.pptx
+++ b/presentations/RBasics.pptx
@@ -5,7 +5,7 @@
     <p:sldMasterId id="2147483675" r:id="rId1"/>
   </p:sldMasterIdLst>
   <p:notesMasterIdLst>
-    <p:notesMasterId r:id="rId17"/>
+    <p:notesMasterId r:id="rId14"/>
   </p:notesMasterIdLst>
   <p:sldIdLst>
     <p:sldId id="268" r:id="rId2"/>
@@ -13,16 +13,13 @@
     <p:sldId id="265" r:id="rId4"/>
     <p:sldId id="266" r:id="rId5"/>
     <p:sldId id="269" r:id="rId6"/>
-    <p:sldId id="264" r:id="rId7"/>
-    <p:sldId id="259" r:id="rId8"/>
-    <p:sldId id="260" r:id="rId9"/>
-    <p:sldId id="261" r:id="rId10"/>
-    <p:sldId id="270" r:id="rId11"/>
-    <p:sldId id="262" r:id="rId12"/>
-    <p:sldId id="267" r:id="rId13"/>
-    <p:sldId id="271" r:id="rId14"/>
-    <p:sldId id="272" r:id="rId15"/>
-    <p:sldId id="263" r:id="rId16"/>
+    <p:sldId id="259" r:id="rId7"/>
+    <p:sldId id="260" r:id="rId8"/>
+    <p:sldId id="262" r:id="rId9"/>
+    <p:sldId id="267" r:id="rId10"/>
+    <p:sldId id="271" r:id="rId11"/>
+    <p:sldId id="272" r:id="rId12"/>
+    <p:sldId id="263" r:id="rId13"/>
   </p:sldIdLst>
   <p:sldSz cx="9144000" cy="6858000" type="screen4x3"/>
   <p:notesSz cx="6858000" cy="9144000"/>
@@ -206,7 +203,7 @@
           <a:p>
             <a:fld id="{F3F6B7C8-6278-1648-86E2-E384EFF541CE}" type="datetimeFigureOut">
               <a:rPr lang="en-US" smtClean="0"/>
-              <a:t>3/23/16</a:t>
+              <a:t>10/14/16</a:t>
             </a:fld>
             <a:endParaRPr lang="en-US"/>
           </a:p>
@@ -975,7 +972,7 @@
           <a:p>
             <a:fld id="{59E2836E-75A4-994B-AEEF-8E026C606B1C}" type="slidenum">
               <a:rPr lang="en-US" smtClean="0"/>
-              <a:t>14</a:t>
+              <a:t>11</a:t>
             </a:fld>
             <a:endParaRPr lang="en-US"/>
           </a:p>
@@ -1333,7 +1330,7 @@
           <a:p>
             <a:fld id="{D85AC8A2-C63C-49A4-89E9-2E4420D2ECA8}" type="datetimeFigureOut">
               <a:rPr lang="en-US" smtClean="0"/>
-              <a:t>3/23/16</a:t>
+              <a:t>10/14/16</a:t>
             </a:fld>
             <a:endParaRPr lang="en-US"/>
           </a:p>
@@ -1514,7 +1511,7 @@
           <a:p>
             <a:fld id="{D85AC8A2-C63C-49A4-89E9-2E4420D2ECA8}" type="datetimeFigureOut">
               <a:rPr lang="en-US" smtClean="0"/>
-              <a:t>3/23/16</a:t>
+              <a:t>10/14/16</a:t>
             </a:fld>
             <a:endParaRPr lang="en-US"/>
           </a:p>
@@ -1685,7 +1682,7 @@
           <a:p>
             <a:fld id="{D85AC8A2-C63C-49A4-89E9-2E4420D2ECA8}" type="datetimeFigureOut">
               <a:rPr lang="en-US" smtClean="0"/>
-              <a:t>3/23/16</a:t>
+              <a:t>10/14/16</a:t>
             </a:fld>
             <a:endParaRPr lang="en-US"/>
           </a:p>
@@ -1878,7 +1875,7 @@
           <a:p>
             <a:fld id="{D85AC8A2-C63C-49A4-89E9-2E4420D2ECA8}" type="datetimeFigureOut">
               <a:rPr lang="en-US" smtClean="0"/>
-              <a:t>3/23/16</a:t>
+              <a:t>10/14/16</a:t>
             </a:fld>
             <a:endParaRPr lang="en-US"/>
           </a:p>
@@ -2167,7 +2164,7 @@
           <a:p>
             <a:fld id="{D85AC8A2-C63C-49A4-89E9-2E4420D2ECA8}" type="datetimeFigureOut">
               <a:rPr lang="en-US" smtClean="0"/>
-              <a:t>3/23/16</a:t>
+              <a:t>10/14/16</a:t>
             </a:fld>
             <a:endParaRPr lang="en-US"/>
           </a:p>
@@ -2595,7 +2592,7 @@
           <a:p>
             <a:fld id="{D85AC8A2-C63C-49A4-89E9-2E4420D2ECA8}" type="datetimeFigureOut">
               <a:rPr lang="en-US" smtClean="0"/>
-              <a:t>3/23/16</a:t>
+              <a:t>10/14/16</a:t>
             </a:fld>
             <a:endParaRPr lang="en-US"/>
           </a:p>
@@ -2714,7 +2711,7 @@
           <a:p>
             <a:fld id="{D85AC8A2-C63C-49A4-89E9-2E4420D2ECA8}" type="datetimeFigureOut">
               <a:rPr lang="en-US" smtClean="0"/>
-              <a:t>3/23/16</a:t>
+              <a:t>10/14/16</a:t>
             </a:fld>
             <a:endParaRPr lang="en-US"/>
           </a:p>
@@ -2810,7 +2807,7 @@
           <a:p>
             <a:fld id="{D85AC8A2-C63C-49A4-89E9-2E4420D2ECA8}" type="datetimeFigureOut">
               <a:rPr lang="en-US" smtClean="0"/>
-              <a:t>3/23/16</a:t>
+              <a:t>10/14/16</a:t>
             </a:fld>
             <a:endParaRPr lang="en-US"/>
           </a:p>
@@ -3088,7 +3085,7 @@
           <a:p>
             <a:fld id="{D85AC8A2-C63C-49A4-89E9-2E4420D2ECA8}" type="datetimeFigureOut">
               <a:rPr lang="en-US" smtClean="0"/>
-              <a:t>3/23/16</a:t>
+              <a:t>10/14/16</a:t>
             </a:fld>
             <a:endParaRPr lang="en-US"/>
           </a:p>
@@ -3346,7 +3343,7 @@
           <a:p>
             <a:fld id="{D85AC8A2-C63C-49A4-89E9-2E4420D2ECA8}" type="datetimeFigureOut">
               <a:rPr lang="en-US" smtClean="0"/>
-              <a:t>3/23/16</a:t>
+              <a:t>10/14/16</a:t>
             </a:fld>
             <a:endParaRPr lang="en-US"/>
           </a:p>
@@ -4907,25 +4904,12 @@
           <a:bodyPr anchor="ctr"/>
           <a:lstStyle/>
           <a:p>
-            <a:endParaRPr lang="en-US" sz="1400" i="0" dirty="0">
-              <a:latin typeface="BentonSans Regular"/>
-              <a:cs typeface="BentonSans Regular"/>
-            </a:endParaRPr>
-          </a:p>
-          <a:p>
-            <a:r>
-              <a:rPr lang="en-US" sz="1200" dirty="0" smtClean="0">
+            <a:r>
+              <a:rPr lang="en-US" sz="1400" i="0" dirty="0" smtClean="0">
                 <a:latin typeface="BentonSans Regular"/>
                 <a:cs typeface="BentonSans Regular"/>
               </a:rPr>
-              <a:t>January 29</a:t>
-            </a:r>
-            <a:r>
-              <a:rPr lang="en-US" sz="1200" i="0" dirty="0" smtClean="0">
-                <a:latin typeface="BentonSans Regular"/>
-                <a:cs typeface="BentonSans Regular"/>
-              </a:rPr>
-              <a:t>, 2016</a:t>
+              <a:t>October 14, 2016</a:t>
             </a:r>
             <a:endParaRPr lang="en-US" sz="1200" i="0" dirty="0">
               <a:latin typeface="BentonSans Regular"/>
@@ -4980,20 +4964,6 @@
           <a:p>
             <a:pPr algn="r"/>
             <a:endParaRPr lang="en-US" sz="1200" i="0" dirty="0" smtClean="0">
-              <a:latin typeface="BentonSans Regular"/>
-              <a:cs typeface="BentonSans Regular"/>
-            </a:endParaRPr>
-          </a:p>
-          <a:p>
-            <a:pPr algn="r"/>
-            <a:r>
-              <a:rPr lang="en-US" sz="1200" i="0" dirty="0" smtClean="0">
-                <a:latin typeface="BentonSans Regular"/>
-                <a:cs typeface="BentonSans Regular"/>
-              </a:rPr>
-              <a:t>© Trustees Indiana University 2015</a:t>
-            </a:r>
-            <a:endParaRPr lang="en-US" sz="1200" i="0" dirty="0">
               <a:latin typeface="BentonSans Regular"/>
               <a:cs typeface="BentonSans Regular"/>
             </a:endParaRPr>
@@ -5435,35 +5405,95 @@
           <a:p>
             <a:r>
               <a:rPr lang="en-US" dirty="0" smtClean="0"/>
-              <a:t>Twitter: “Easter” on 3/26/16</a:t>
-            </a:r>
+              <a:t>Shiny!</a:t>
+            </a:r>
+            <a:endParaRPr lang="en-US" dirty="0"/>
+          </a:p>
+        </p:txBody>
+      </p:sp>
+      <p:sp>
+        <p:nvSpPr>
+          <p:cNvPr id="3" name="Content Placeholder 2"/>
+          <p:cNvSpPr>
+            <a:spLocks noGrp="1"/>
+          </p:cNvSpPr>
+          <p:nvPr>
+            <p:ph idx="1"/>
+          </p:nvPr>
+        </p:nvSpPr>
+        <p:spPr/>
+        <p:txBody>
+          <a:bodyPr/>
+          <a:lstStyle/>
+          <a:p>
+            <a:pPr marL="0" indent="0">
+              <a:buNone/>
+            </a:pPr>
+            <a:r>
+              <a:rPr lang="en-US" dirty="0">
+                <a:hlinkClick r:id="rId2"/>
+              </a:rPr>
+              <a:t>https://cyberdh.shinyapps.io/TwitterSentiment</a:t>
+            </a:r>
+            <a:r>
+              <a:rPr lang="en-US" dirty="0" smtClean="0">
+                <a:hlinkClick r:id="rId2"/>
+              </a:rPr>
+              <a:t>/</a:t>
+            </a:r>
+            <a:endParaRPr lang="en-US" dirty="0" smtClean="0"/>
+          </a:p>
+          <a:p>
+            <a:pPr marL="0" indent="0">
+              <a:buNone/>
+            </a:pPr>
+            <a:endParaRPr lang="en-US" dirty="0"/>
+          </a:p>
+          <a:p>
+            <a:pPr marL="0" indent="0">
+              <a:buNone/>
+            </a:pPr>
+            <a:endParaRPr lang="en-US" dirty="0" smtClean="0"/>
+          </a:p>
+          <a:p>
             <a:endParaRPr lang="en-US" dirty="0"/>
           </a:p>
         </p:txBody>
       </p:sp>
       <p:pic>
         <p:nvPicPr>
-          <p:cNvPr id="4" name="Content Placeholder 3"/>
+          <p:cNvPr id="5" name="Picture 4" descr="Screen Shot 2016-10-04 at 11.00.07 PM.png"/>
           <p:cNvPicPr>
-            <a:picLocks noGrp="1" noChangeAspect="1"/>
+            <a:picLocks noChangeAspect="1"/>
           </p:cNvPicPr>
-          <p:nvPr>
-            <p:ph idx="1"/>
-          </p:nvPr>
+          <p:nvPr/>
         </p:nvPicPr>
         <p:blipFill>
-          <a:blip r:embed="rId2"/>
-          <a:srcRect l="-20185" r="-20185"/>
+          <a:blip r:embed="rId3" cstate="print">
+            <a:extLst>
+              <a:ext uri="{28A0092B-C50C-407E-A947-70E740481C1C}">
+                <a14:useLocalDpi xmlns:a14="http://schemas.microsoft.com/office/drawing/2010/main" val="0"/>
+              </a:ext>
+            </a:extLst>
+          </a:blip>
           <a:stretch>
             <a:fillRect/>
           </a:stretch>
         </p:blipFill>
-        <p:spPr/>
+        <p:spPr>
+          <a:xfrm>
+            <a:off x="0" y="1536700"/>
+            <a:ext cx="9144000" cy="3780613"/>
+          </a:xfrm>
+          <a:prstGeom prst="rect">
+            <a:avLst/>
+          </a:prstGeom>
+        </p:spPr>
       </p:pic>
     </p:spTree>
     <p:extLst>
       <p:ext uri="{BB962C8B-B14F-4D97-AF65-F5344CB8AC3E}">
-        <p14:creationId xmlns:p14="http://schemas.microsoft.com/office/powerpoint/2010/main" val="3607148885"/>
+        <p14:creationId xmlns:p14="http://schemas.microsoft.com/office/powerpoint/2010/main" val="3038289492"/>
       </p:ext>
     </p:extLst>
   </p:cSld>
@@ -5513,16 +5543,8 @@
           <a:lstStyle/>
           <a:p>
             <a:r>
-              <a:rPr lang="en-US" dirty="0" smtClean="0"/>
-              <a:t>Why use </a:t>
-            </a:r>
-            <a:r>
               <a:rPr lang="en-US" dirty="0" err="1" smtClean="0"/>
-              <a:t>wordclouds</a:t>
-            </a:r>
-            <a:r>
-              <a:rPr lang="en-US" dirty="0" smtClean="0"/>
-              <a:t>?</a:t>
+              <a:t>GiTHUB</a:t>
             </a:r>
             <a:endParaRPr lang="en-US" dirty="0"/>
           </a:p>
@@ -5543,56 +5565,91 @@
           <a:bodyPr/>
           <a:lstStyle/>
           <a:p>
-            <a:pPr marL="0" indent="0">
-              <a:buNone/>
-            </a:pPr>
+            <a:endParaRPr lang="en-US" dirty="0" smtClean="0"/>
+          </a:p>
+          <a:p>
+            <a:endParaRPr lang="en-US" dirty="0"/>
+          </a:p>
+          <a:p>
             <a:r>
               <a:rPr lang="en-US" dirty="0" smtClean="0"/>
-              <a:t>Topic Modeling (LDA)</a:t>
-            </a:r>
-          </a:p>
-          <a:p>
-            <a:pPr marL="0" indent="0">
-              <a:buNone/>
-            </a:pPr>
-            <a:endParaRPr lang="en-US" dirty="0"/>
-          </a:p>
-        </p:txBody>
-      </p:sp>
-      <p:pic>
-        <p:nvPicPr>
-          <p:cNvPr id="4" name="Picture 3" descr="Screen Shot 2016-01-29 at 6.27.21 AM.png"/>
-          <p:cNvPicPr>
-            <a:picLocks noChangeAspect="1"/>
-          </p:cNvPicPr>
-          <p:nvPr/>
-        </p:nvPicPr>
-        <p:blipFill>
-          <a:blip r:embed="rId2" cstate="print">
-            <a:extLst>
-              <a:ext uri="{28A0092B-C50C-407E-A947-70E740481C1C}">
-                <a14:useLocalDpi xmlns:a14="http://schemas.microsoft.com/office/drawing/2010/main" val="0"/>
-              </a:ext>
-            </a:extLst>
-          </a:blip>
-          <a:stretch>
-            <a:fillRect/>
-          </a:stretch>
-        </p:blipFill>
-        <p:spPr>
-          <a:xfrm>
-            <a:off x="0" y="1799764"/>
-            <a:ext cx="9144000" cy="3123075"/>
-          </a:xfrm>
-          <a:prstGeom prst="rect">
-            <a:avLst/>
-          </a:prstGeom>
-        </p:spPr>
-      </p:pic>
+              <a:t>Go </a:t>
+            </a:r>
+            <a:r>
+              <a:rPr lang="en-US" dirty="0"/>
+              <a:t>to </a:t>
+            </a:r>
+            <a:r>
+              <a:rPr lang="en-US" dirty="0">
+                <a:hlinkClick r:id="rId3"/>
+              </a:rPr>
+              <a:t>https://github.com/cyberdh/</a:t>
+            </a:r>
+            <a:r>
+              <a:rPr lang="en-US" dirty="0" smtClean="0">
+                <a:hlinkClick r:id="rId3"/>
+              </a:rPr>
+              <a:t>Text-Analysis</a:t>
+            </a:r>
+            <a:r>
+              <a:rPr lang="en-US" dirty="0" smtClean="0"/>
+              <a:t> </a:t>
+            </a:r>
+            <a:endParaRPr lang="en-US" dirty="0" smtClean="0"/>
+          </a:p>
+          <a:p>
+            <a:pPr lvl="1"/>
+            <a:r>
+              <a:rPr lang="en-US" dirty="0" smtClean="0"/>
+              <a:t>If you are unfamiliar or don’t have an account with </a:t>
+            </a:r>
+            <a:r>
+              <a:rPr lang="en-US" dirty="0" err="1" smtClean="0"/>
+              <a:t>Github</a:t>
+            </a:r>
+            <a:r>
+              <a:rPr lang="en-US" dirty="0" smtClean="0"/>
+              <a:t>, just click “Download Zip,” otherwise fork this repository</a:t>
+            </a:r>
+            <a:r>
+              <a:rPr lang="en-US" dirty="0" smtClean="0"/>
+              <a:t>.</a:t>
+            </a:r>
+          </a:p>
+          <a:p>
+            <a:pPr lvl="1"/>
+            <a:r>
+              <a:rPr lang="en-US" dirty="0" smtClean="0"/>
+              <a:t>If you are a PC, then please also make sure you have downloaded R, otherwise R studio won’t work!</a:t>
+            </a:r>
+            <a:r>
+              <a:rPr lang="en-US" dirty="0"/>
+              <a:t> </a:t>
+            </a:r>
+            <a:r>
+              <a:rPr lang="en-US" dirty="0">
+                <a:hlinkClick r:id="rId4"/>
+              </a:rPr>
+              <a:t>https://cran.cnr.berkeley.edu</a:t>
+            </a:r>
+            <a:r>
+              <a:rPr lang="en-US" smtClean="0">
+                <a:hlinkClick r:id="rId4"/>
+              </a:rPr>
+              <a:t>/</a:t>
+            </a:r>
+            <a:r>
+              <a:rPr lang="en-US" smtClean="0"/>
+              <a:t> </a:t>
+            </a:r>
+            <a:endParaRPr lang="en-US" dirty="0" smtClean="0"/>
+          </a:p>
+        </p:txBody>
+      </p:sp>
     </p:spTree>
     <p:extLst>
       <p:ext uri="{BB962C8B-B14F-4D97-AF65-F5344CB8AC3E}">
-        <p14:creationId xmlns:p14="http://schemas.microsoft.com/office/powerpoint/2010/main" val="312417777"/>
+        <p14:creationId xmlns:p14="http://schemas.microsoft.com/office/powerpoint/2010/main" val="1340850920"/>
       </p:ext>
     </p:extLst>
   </p:cSld>
@@ -5643,341 +5700,6 @@
           <a:p>
             <a:r>
               <a:rPr lang="en-US" dirty="0" smtClean="0"/>
-              <a:t>Which witch?</a:t>
-            </a:r>
-            <a:endParaRPr lang="en-US" dirty="0"/>
-          </a:p>
-        </p:txBody>
-      </p:sp>
-      <p:pic>
-        <p:nvPicPr>
-          <p:cNvPr id="4" name="Content Placeholder 3" descr="Screen Shot 2016-01-29 at 6.31.23 AM.png"/>
-          <p:cNvPicPr>
-            <a:picLocks noGrp="1" noChangeAspect="1"/>
-          </p:cNvPicPr>
-          <p:nvPr>
-            <p:ph idx="1"/>
-          </p:nvPr>
-        </p:nvPicPr>
-        <p:blipFill>
-          <a:blip r:embed="rId2">
-            <a:extLst>
-              <a:ext uri="{28A0092B-C50C-407E-A947-70E740481C1C}">
-                <a14:useLocalDpi xmlns:a14="http://schemas.microsoft.com/office/drawing/2010/main" val="0"/>
-              </a:ext>
-            </a:extLst>
-          </a:blip>
-          <a:srcRect t="13783" b="13783"/>
-          <a:stretch>
-            <a:fillRect/>
-          </a:stretch>
-        </p:blipFill>
-        <p:spPr/>
-      </p:pic>
-    </p:spTree>
-    <p:extLst>
-      <p:ext uri="{BB962C8B-B14F-4D97-AF65-F5344CB8AC3E}">
-        <p14:creationId xmlns:p14="http://schemas.microsoft.com/office/powerpoint/2010/main" val="4004936897"/>
-      </p:ext>
-    </p:extLst>
-  </p:cSld>
-  <p:clrMapOvr>
-    <a:masterClrMapping/>
-  </p:clrMapOvr>
-  <p:timing>
-    <p:tnLst>
-      <p:par>
-        <p:cTn xmlns:p14="http://schemas.microsoft.com/office/powerpoint/2010/main" id="1" dur="indefinite" restart="never" nodeType="tmRoot"/>
-      </p:par>
-    </p:tnLst>
-  </p:timing>
-</p:sld>
-</file>
-
-<file path=ppt/slides/slide13.xml><?xml version="1.0" encoding="utf-8"?>
-<p:sld xmlns:a="http://schemas.openxmlformats.org/drawingml/2006/main" xmlns:r="http://schemas.openxmlformats.org/officeDocument/2006/relationships" xmlns:p="http://schemas.openxmlformats.org/presentationml/2006/main">
-  <p:cSld>
-    <p:spTree>
-      <p:nvGrpSpPr>
-        <p:cNvPr id="1" name=""/>
-        <p:cNvGrpSpPr/>
-        <p:nvPr/>
-      </p:nvGrpSpPr>
-      <p:grpSpPr>
-        <a:xfrm>
-          <a:off x="0" y="0"/>
-          <a:ext cx="0" cy="0"/>
-          <a:chOff x="0" y="0"/>
-          <a:chExt cx="0" cy="0"/>
-        </a:xfrm>
-      </p:grpSpPr>
-      <p:sp>
-        <p:nvSpPr>
-          <p:cNvPr id="2" name="Title 1"/>
-          <p:cNvSpPr>
-            <a:spLocks noGrp="1"/>
-          </p:cNvSpPr>
-          <p:nvPr>
-            <p:ph type="title"/>
-          </p:nvPr>
-        </p:nvSpPr>
-        <p:spPr/>
-        <p:txBody>
-          <a:bodyPr/>
-          <a:lstStyle/>
-          <a:p>
-            <a:r>
-              <a:rPr lang="en-US" dirty="0" smtClean="0"/>
-              <a:t>Shiny!</a:t>
-            </a:r>
-            <a:endParaRPr lang="en-US" dirty="0"/>
-          </a:p>
-        </p:txBody>
-      </p:sp>
-      <p:sp>
-        <p:nvSpPr>
-          <p:cNvPr id="3" name="Content Placeholder 2"/>
-          <p:cNvSpPr>
-            <a:spLocks noGrp="1"/>
-          </p:cNvSpPr>
-          <p:nvPr>
-            <p:ph idx="1"/>
-          </p:nvPr>
-        </p:nvSpPr>
-        <p:spPr/>
-        <p:txBody>
-          <a:bodyPr/>
-          <a:lstStyle/>
-          <a:p>
-            <a:r>
-              <a:rPr lang="en-US" dirty="0">
-                <a:hlinkClick r:id="rId2"/>
-              </a:rPr>
-              <a:t>https://beta.rstudioconnect.com/ghthomas/Twitter</a:t>
-            </a:r>
-            <a:r>
-              <a:rPr lang="en-US" dirty="0" smtClean="0">
-                <a:hlinkClick r:id="rId2"/>
-              </a:rPr>
-              <a:t>/</a:t>
-            </a:r>
-            <a:endParaRPr lang="en-US" dirty="0" smtClean="0"/>
-          </a:p>
-          <a:p>
-            <a:endParaRPr lang="en-US" dirty="0" smtClean="0"/>
-          </a:p>
-          <a:p>
-            <a:endParaRPr lang="en-US" dirty="0"/>
-          </a:p>
-        </p:txBody>
-      </p:sp>
-      <p:pic>
-        <p:nvPicPr>
-          <p:cNvPr id="4" name="Picture 3" descr="Screen Shot 2016-03-25 at 11.53.46 AM.png"/>
-          <p:cNvPicPr>
-            <a:picLocks noChangeAspect="1"/>
-          </p:cNvPicPr>
-          <p:nvPr/>
-        </p:nvPicPr>
-        <p:blipFill>
-          <a:blip r:embed="rId3" cstate="print">
-            <a:extLst>
-              <a:ext uri="{28A0092B-C50C-407E-A947-70E740481C1C}">
-                <a14:useLocalDpi xmlns:a14="http://schemas.microsoft.com/office/drawing/2010/main" val="0"/>
-              </a:ext>
-            </a:extLst>
-          </a:blip>
-          <a:stretch>
-            <a:fillRect/>
-          </a:stretch>
-        </p:blipFill>
-        <p:spPr>
-          <a:xfrm>
-            <a:off x="419100" y="1616129"/>
-            <a:ext cx="8115300" cy="4133218"/>
-          </a:xfrm>
-          <a:prstGeom prst="rect">
-            <a:avLst/>
-          </a:prstGeom>
-        </p:spPr>
-      </p:pic>
-    </p:spTree>
-    <p:extLst>
-      <p:ext uri="{BB962C8B-B14F-4D97-AF65-F5344CB8AC3E}">
-        <p14:creationId xmlns:p14="http://schemas.microsoft.com/office/powerpoint/2010/main" val="3038289492"/>
-      </p:ext>
-    </p:extLst>
-  </p:cSld>
-  <p:clrMapOvr>
-    <a:masterClrMapping/>
-  </p:clrMapOvr>
-  <p:timing>
-    <p:tnLst>
-      <p:par>
-        <p:cTn xmlns:p14="http://schemas.microsoft.com/office/powerpoint/2010/main" id="1" dur="indefinite" restart="never" nodeType="tmRoot"/>
-      </p:par>
-    </p:tnLst>
-  </p:timing>
-</p:sld>
-</file>
-
-<file path=ppt/slides/slide14.xml><?xml version="1.0" encoding="utf-8"?>
-<p:sld xmlns:a="http://schemas.openxmlformats.org/drawingml/2006/main" xmlns:r="http://schemas.openxmlformats.org/officeDocument/2006/relationships" xmlns:p="http://schemas.openxmlformats.org/presentationml/2006/main">
-  <p:cSld>
-    <p:spTree>
-      <p:nvGrpSpPr>
-        <p:cNvPr id="1" name=""/>
-        <p:cNvGrpSpPr/>
-        <p:nvPr/>
-      </p:nvGrpSpPr>
-      <p:grpSpPr>
-        <a:xfrm>
-          <a:off x="0" y="0"/>
-          <a:ext cx="0" cy="0"/>
-          <a:chOff x="0" y="0"/>
-          <a:chExt cx="0" cy="0"/>
-        </a:xfrm>
-      </p:grpSpPr>
-      <p:sp>
-        <p:nvSpPr>
-          <p:cNvPr id="2" name="Title 1"/>
-          <p:cNvSpPr>
-            <a:spLocks noGrp="1"/>
-          </p:cNvSpPr>
-          <p:nvPr>
-            <p:ph type="title"/>
-          </p:nvPr>
-        </p:nvSpPr>
-        <p:spPr/>
-        <p:txBody>
-          <a:bodyPr/>
-          <a:lstStyle/>
-          <a:p>
-            <a:r>
-              <a:rPr lang="en-US" dirty="0" err="1" smtClean="0"/>
-              <a:t>GiTHUB</a:t>
-            </a:r>
-            <a:endParaRPr lang="en-US" dirty="0"/>
-          </a:p>
-        </p:txBody>
-      </p:sp>
-      <p:sp>
-        <p:nvSpPr>
-          <p:cNvPr id="3" name="Content Placeholder 2"/>
-          <p:cNvSpPr>
-            <a:spLocks noGrp="1"/>
-          </p:cNvSpPr>
-          <p:nvPr>
-            <p:ph idx="1"/>
-          </p:nvPr>
-        </p:nvSpPr>
-        <p:spPr/>
-        <p:txBody>
-          <a:bodyPr/>
-          <a:lstStyle/>
-          <a:p>
-            <a:endParaRPr lang="en-US" dirty="0" smtClean="0"/>
-          </a:p>
-          <a:p>
-            <a:endParaRPr lang="en-US" dirty="0"/>
-          </a:p>
-          <a:p>
-            <a:r>
-              <a:rPr lang="en-US" dirty="0" smtClean="0"/>
-              <a:t>Go </a:t>
-            </a:r>
-            <a:r>
-              <a:rPr lang="en-US" dirty="0"/>
-              <a:t>to </a:t>
-            </a:r>
-            <a:r>
-              <a:rPr lang="en-US" dirty="0">
-                <a:hlinkClick r:id="rId3"/>
-              </a:rPr>
-              <a:t>https://github.com/cyberdh/</a:t>
-            </a:r>
-            <a:r>
-              <a:rPr lang="en-US" dirty="0" smtClean="0">
-                <a:hlinkClick r:id="rId3"/>
-              </a:rPr>
-              <a:t>Text_Analysis</a:t>
-            </a:r>
-            <a:r>
-              <a:rPr lang="en-US" dirty="0" smtClean="0"/>
-              <a:t> </a:t>
-            </a:r>
-          </a:p>
-          <a:p>
-            <a:pPr lvl="1"/>
-            <a:r>
-              <a:rPr lang="en-US" dirty="0" smtClean="0"/>
-              <a:t>If you are unfamiliar or don’t have an account with </a:t>
-            </a:r>
-            <a:r>
-              <a:rPr lang="en-US" dirty="0" err="1" smtClean="0"/>
-              <a:t>Github</a:t>
-            </a:r>
-            <a:r>
-              <a:rPr lang="en-US" dirty="0" smtClean="0"/>
-              <a:t>, just click “Download Zip,” otherwise fork this repository. </a:t>
-            </a:r>
-          </a:p>
-        </p:txBody>
-      </p:sp>
-    </p:spTree>
-    <p:extLst>
-      <p:ext uri="{BB962C8B-B14F-4D97-AF65-F5344CB8AC3E}">
-        <p14:creationId xmlns:p14="http://schemas.microsoft.com/office/powerpoint/2010/main" val="1340850920"/>
-      </p:ext>
-    </p:extLst>
-  </p:cSld>
-  <p:clrMapOvr>
-    <a:masterClrMapping/>
-  </p:clrMapOvr>
-  <p:timing>
-    <p:tnLst>
-      <p:par>
-        <p:cTn xmlns:p14="http://schemas.microsoft.com/office/powerpoint/2010/main" id="1" dur="indefinite" restart="never" nodeType="tmRoot"/>
-      </p:par>
-    </p:tnLst>
-  </p:timing>
-</p:sld>
-</file>
-
-<file path=ppt/slides/slide15.xml><?xml version="1.0" encoding="utf-8"?>
-<p:sld xmlns:a="http://schemas.openxmlformats.org/drawingml/2006/main" xmlns:r="http://schemas.openxmlformats.org/officeDocument/2006/relationships" xmlns:p="http://schemas.openxmlformats.org/presentationml/2006/main">
-  <p:cSld>
-    <p:spTree>
-      <p:nvGrpSpPr>
-        <p:cNvPr id="1" name=""/>
-        <p:cNvGrpSpPr/>
-        <p:nvPr/>
-      </p:nvGrpSpPr>
-      <p:grpSpPr>
-        <a:xfrm>
-          <a:off x="0" y="0"/>
-          <a:ext cx="0" cy="0"/>
-          <a:chOff x="0" y="0"/>
-          <a:chExt cx="0" cy="0"/>
-        </a:xfrm>
-      </p:grpSpPr>
-      <p:sp>
-        <p:nvSpPr>
-          <p:cNvPr id="2" name="Title 1"/>
-          <p:cNvSpPr>
-            <a:spLocks noGrp="1"/>
-          </p:cNvSpPr>
-          <p:nvPr>
-            <p:ph type="title"/>
-          </p:nvPr>
-        </p:nvSpPr>
-        <p:spPr/>
-        <p:txBody>
-          <a:bodyPr/>
-          <a:lstStyle/>
-          <a:p>
-            <a:r>
-              <a:rPr lang="en-US" dirty="0" smtClean="0"/>
               <a:t>Contact US!</a:t>
             </a:r>
             <a:endParaRPr lang="en-US" dirty="0"/>
@@ -6055,15 +5777,6 @@
             <a:r>
               <a:rPr lang="en-US" dirty="0" smtClean="0"/>
               <a:t>Thank you! </a:t>
-            </a:r>
-          </a:p>
-          <a:p>
-            <a:pPr marL="0" indent="0">
-              <a:buNone/>
-            </a:pPr>
-            <a:r>
-              <a:rPr lang="en-US" dirty="0" smtClean="0"/>
-              <a:t>Tassie, Grace, and Adam</a:t>
             </a:r>
           </a:p>
           <a:p>
@@ -6361,11 +6074,7 @@
           <a:p>
             <a:r>
               <a:rPr lang="en-US" dirty="0" smtClean="0"/>
-              <a:t>More </a:t>
-            </a:r>
-            <a:r>
-              <a:rPr lang="en-US" dirty="0" smtClean="0"/>
-              <a:t>Uses</a:t>
+              <a:t>More Uses</a:t>
             </a:r>
             <a:endParaRPr lang="en-US" dirty="0"/>
           </a:p>
@@ -6576,16 +6285,8 @@
           <a:lstStyle/>
           <a:p>
             <a:r>
-              <a:rPr lang="en-US" dirty="0" smtClean="0"/>
-              <a:t>r, Me </a:t>
-            </a:r>
-            <a:r>
               <a:rPr lang="en-US" dirty="0" err="1" smtClean="0"/>
-              <a:t>Matey</a:t>
-            </a:r>
-            <a:r>
-              <a:rPr lang="en-US" dirty="0" smtClean="0"/>
-              <a:t>!</a:t>
+              <a:t>RStudio</a:t>
             </a:r>
             <a:endParaRPr lang="en-US" dirty="0"/>
           </a:p>
@@ -6606,61 +6307,100 @@
           <a:bodyPr/>
           <a:lstStyle/>
           <a:p>
-            <a:pPr marL="0" indent="0">
-              <a:buNone/>
-            </a:pPr>
-            <a:endParaRPr lang="en-US" dirty="0" smtClean="0"/>
-          </a:p>
-          <a:p>
-            <a:pPr marL="0" indent="0">
-              <a:buNone/>
-            </a:pPr>
-            <a:endParaRPr lang="en-US" dirty="0"/>
-          </a:p>
-          <a:p>
-            <a:pPr marL="0" indent="0">
-              <a:buNone/>
-            </a:pPr>
             <a:r>
               <a:rPr lang="en-US" dirty="0" smtClean="0"/>
-              <a:t>Let’s </a:t>
+              <a:t>If you’ve never used R before, you also want to download </a:t>
+            </a:r>
+            <a:r>
+              <a:rPr lang="en-US" dirty="0" err="1" smtClean="0"/>
+              <a:t>Rstudio</a:t>
             </a:r>
             <a:r>
               <a:rPr lang="en-US" dirty="0"/>
-              <a:t>get started! </a:t>
-            </a:r>
-          </a:p>
-          <a:p>
-            <a:pPr marL="0" indent="0">
-              <a:buNone/>
-            </a:pPr>
+              <a:t>: </a:t>
+            </a:r>
             <a:r>
               <a:rPr lang="en-US" dirty="0">
                 <a:hlinkClick r:id="rId2"/>
               </a:rPr>
-              <a:t>http://tryr.codeschool.com/levels/1/challenges/</a:t>
+              <a:t>https://www.rstudio.com</a:t>
             </a:r>
             <a:r>
               <a:rPr lang="en-US" dirty="0" smtClean="0">
                 <a:hlinkClick r:id="rId2"/>
               </a:rPr>
-              <a:t>1</a:t>
+              <a:t>/</a:t>
+            </a:r>
+            <a:r>
+              <a:rPr lang="en-US" dirty="0" smtClean="0"/>
+              <a:t> or if you have a </a:t>
+            </a:r>
+            <a:r>
+              <a:rPr lang="en-US" dirty="0"/>
+              <a:t>Karst account, you can go to </a:t>
+            </a:r>
+            <a:r>
+              <a:rPr lang="en-US" dirty="0" smtClean="0">
+                <a:hlinkClick r:id="rId3"/>
+              </a:rPr>
+              <a:t>https</a:t>
+            </a:r>
+            <a:r>
+              <a:rPr lang="en-US" dirty="0">
+                <a:hlinkClick r:id="rId3"/>
+              </a:rPr>
+              <a:t>://rstudio.iu.edu</a:t>
+            </a:r>
+            <a:r>
+              <a:rPr lang="en-US" dirty="0" smtClean="0">
+                <a:hlinkClick r:id="rId3"/>
+              </a:rPr>
+              <a:t>/</a:t>
             </a:r>
             <a:r>
               <a:rPr lang="en-US" dirty="0" smtClean="0"/>
               <a:t> </a:t>
             </a:r>
+          </a:p>
+          <a:p>
             <a:endParaRPr lang="en-US" dirty="0"/>
           </a:p>
-          <a:p>
-            <a:endParaRPr lang="en-US" dirty="0"/>
-          </a:p>
-        </p:txBody>
-      </p:sp>
+        </p:txBody>
+      </p:sp>
+      <p:pic>
+        <p:nvPicPr>
+          <p:cNvPr id="4" name="Picture 3" descr="Screen Shot 2016-01-27 at 4.57.06 PM.png"/>
+          <p:cNvPicPr>
+            <a:picLocks noChangeAspect="1"/>
+          </p:cNvPicPr>
+          <p:nvPr/>
+        </p:nvPicPr>
+        <p:blipFill>
+          <a:blip r:embed="rId4">
+            <a:extLst>
+              <a:ext uri="{28A0092B-C50C-407E-A947-70E740481C1C}">
+                <a14:useLocalDpi xmlns:a14="http://schemas.microsoft.com/office/drawing/2010/main" val="0"/>
+              </a:ext>
+            </a:extLst>
+          </a:blip>
+          <a:stretch>
+            <a:fillRect/>
+          </a:stretch>
+        </p:blipFill>
+        <p:spPr>
+          <a:xfrm>
+            <a:off x="2597372" y="2490507"/>
+            <a:ext cx="3898678" cy="2761780"/>
+          </a:xfrm>
+          <a:prstGeom prst="rect">
+            <a:avLst/>
+          </a:prstGeom>
+        </p:spPr>
+      </p:pic>
     </p:spTree>
     <p:extLst>
       <p:ext uri="{BB962C8B-B14F-4D97-AF65-F5344CB8AC3E}">
-        <p14:creationId xmlns:p14="http://schemas.microsoft.com/office/powerpoint/2010/main" val="4078046061"/>
+        <p14:creationId xmlns:p14="http://schemas.microsoft.com/office/powerpoint/2010/main" val="1815478706"/>
       </p:ext>
     </p:extLst>
   </p:cSld>
@@ -6710,8 +6450,12 @@
           <a:lstStyle/>
           <a:p>
             <a:r>
+              <a:rPr lang="en-US" dirty="0" err="1"/>
+              <a:t>W</a:t>
+            </a:r>
+            <a:r>
               <a:rPr lang="en-US" dirty="0" err="1" smtClean="0"/>
-              <a:t>RStudio</a:t>
+              <a:t>ordclouds</a:t>
             </a:r>
             <a:endParaRPr lang="en-US" dirty="0"/>
           </a:p>
@@ -6719,7 +6463,7 @@
       </p:sp>
       <p:sp>
         <p:nvSpPr>
-          <p:cNvPr id="3" name="Content Placeholder 2"/>
+          <p:cNvPr id="5" name="Content Placeholder 4"/>
           <p:cNvSpPr>
             <a:spLocks noGrp="1"/>
           </p:cNvSpPr>
@@ -6732,76 +6476,36 @@
           <a:bodyPr/>
           <a:lstStyle/>
           <a:p>
+            <a:pPr marL="0" indent="0" algn="ctr">
+              <a:buNone/>
+            </a:pPr>
             <a:r>
               <a:rPr lang="en-US" dirty="0" smtClean="0"/>
-              <a:t>If you’ve never used R before, you also want to download </a:t>
-            </a:r>
-            <a:r>
-              <a:rPr lang="en-US" dirty="0" err="1" smtClean="0"/>
-              <a:t>Rstudio</a:t>
-            </a:r>
-            <a:r>
-              <a:rPr lang="en-US" dirty="0"/>
-              <a:t>: </a:t>
-            </a:r>
-            <a:r>
-              <a:rPr lang="en-US" dirty="0">
-                <a:hlinkClick r:id="rId2"/>
-              </a:rPr>
-              <a:t>https://www.rstudio.com</a:t>
-            </a:r>
-            <a:r>
-              <a:rPr lang="en-US" dirty="0" smtClean="0">
-                <a:hlinkClick r:id="rId2"/>
-              </a:rPr>
-              <a:t>/</a:t>
-            </a:r>
-            <a:r>
-              <a:rPr lang="en-US" dirty="0" smtClean="0"/>
-              <a:t> or if you have a </a:t>
-            </a:r>
-            <a:r>
-              <a:rPr lang="en-US" dirty="0"/>
-              <a:t>Karst account, you can go to </a:t>
-            </a:r>
-            <a:r>
-              <a:rPr lang="en-US" dirty="0" smtClean="0">
-                <a:hlinkClick r:id="rId3"/>
-              </a:rPr>
-              <a:t>https</a:t>
-            </a:r>
-            <a:r>
-              <a:rPr lang="en-US" dirty="0">
-                <a:hlinkClick r:id="rId3"/>
-              </a:rPr>
-              <a:t>://rstudio.iu.edu</a:t>
-            </a:r>
-            <a:r>
-              <a:rPr lang="en-US" dirty="0" smtClean="0">
-                <a:hlinkClick r:id="rId3"/>
-              </a:rPr>
-              <a:t>/</a:t>
-            </a:r>
-            <a:r>
-              <a:rPr lang="en-US" dirty="0" smtClean="0"/>
-              <a:t> </a:t>
-            </a:r>
-          </a:p>
-          <a:p>
+              <a:t>Top 75 Words in </a:t>
+            </a:r>
+            <a:r>
+              <a:rPr lang="en-US" i="1" dirty="0" smtClean="0"/>
+              <a:t>Jane Eyre</a:t>
+            </a:r>
+          </a:p>
+          <a:p>
+            <a:pPr marL="0" indent="0" algn="ctr">
+              <a:buNone/>
+            </a:pPr>
             <a:endParaRPr lang="en-US" dirty="0"/>
           </a:p>
         </p:txBody>
       </p:sp>
       <p:pic>
         <p:nvPicPr>
-          <p:cNvPr id="4" name="Picture 3" descr="Screen Shot 2016-01-27 at 4.57.06 PM.png"/>
+          <p:cNvPr id="9" name="Picture 8" descr="Screen Shot 2016-01-28 at 11.15.08 AM.png"/>
           <p:cNvPicPr>
             <a:picLocks noChangeAspect="1"/>
           </p:cNvPicPr>
           <p:nvPr/>
         </p:nvPicPr>
         <p:blipFill>
-          <a:blip r:embed="rId4">
+          <a:blip r:embed="rId2">
             <a:extLst>
               <a:ext uri="{28A0092B-C50C-407E-A947-70E740481C1C}">
                 <a14:useLocalDpi xmlns:a14="http://schemas.microsoft.com/office/drawing/2010/main" val="0"/>
@@ -6814,8 +6518,8 @@
         </p:blipFill>
         <p:spPr>
           <a:xfrm>
-            <a:off x="2597372" y="2490507"/>
-            <a:ext cx="3898678" cy="2761780"/>
+            <a:off x="2143126" y="1441093"/>
+            <a:ext cx="4968875" cy="4385032"/>
           </a:xfrm>
           <a:prstGeom prst="rect">
             <a:avLst/>
@@ -6825,7 +6529,7 @@
     </p:spTree>
     <p:extLst>
       <p:ext uri="{BB962C8B-B14F-4D97-AF65-F5344CB8AC3E}">
-        <p14:creationId xmlns:p14="http://schemas.microsoft.com/office/powerpoint/2010/main" val="1815478706"/>
+        <p14:creationId xmlns:p14="http://schemas.microsoft.com/office/powerpoint/2010/main" val="2032386498"/>
       </p:ext>
     </p:extLst>
   </p:cSld>
@@ -6875,16 +6579,24 @@
           <a:lstStyle/>
           <a:p>
             <a:r>
+              <a:rPr lang="en-US" dirty="0" smtClean="0"/>
+              <a:t>Why use </a:t>
+            </a:r>
+            <a:r>
               <a:rPr lang="en-US" dirty="0" err="1" smtClean="0"/>
               <a:t>wordclouds</a:t>
             </a:r>
+            <a:r>
+              <a:rPr lang="en-US" dirty="0" smtClean="0"/>
+              <a:t>?</a:t>
+            </a:r>
             <a:endParaRPr lang="en-US" dirty="0"/>
           </a:p>
         </p:txBody>
       </p:sp>
       <p:sp>
         <p:nvSpPr>
-          <p:cNvPr id="5" name="Content Placeholder 4"/>
+          <p:cNvPr id="3" name="Content Placeholder 2"/>
           <p:cNvSpPr>
             <a:spLocks noGrp="1"/>
           </p:cNvSpPr>
@@ -6897,20 +6609,16 @@
           <a:bodyPr/>
           <a:lstStyle/>
           <a:p>
-            <a:pPr marL="0" indent="0" algn="ctr">
+            <a:pPr marL="0" indent="0">
               <a:buNone/>
             </a:pPr>
             <a:r>
               <a:rPr lang="en-US" dirty="0" smtClean="0"/>
-              <a:t>Top 75 Words in </a:t>
-            </a:r>
-            <a:r>
-              <a:rPr lang="en-US" i="1" dirty="0" smtClean="0"/>
-              <a:t>Jane Eyre</a:t>
-            </a:r>
-          </a:p>
-          <a:p>
-            <a:pPr marL="0" indent="0" algn="ctr">
+              <a:t>Topic Modeling (LDA)</a:t>
+            </a:r>
+          </a:p>
+          <a:p>
+            <a:pPr marL="0" indent="0">
               <a:buNone/>
             </a:pPr>
             <a:endParaRPr lang="en-US" dirty="0"/>
@@ -6919,14 +6627,14 @@
       </p:sp>
       <p:pic>
         <p:nvPicPr>
-          <p:cNvPr id="9" name="Picture 8" descr="Screen Shot 2016-01-28 at 11.15.08 AM.png"/>
+          <p:cNvPr id="4" name="Picture 3" descr="Screen Shot 2016-01-29 at 6.27.21 AM.png"/>
           <p:cNvPicPr>
             <a:picLocks noChangeAspect="1"/>
           </p:cNvPicPr>
           <p:nvPr/>
         </p:nvPicPr>
         <p:blipFill>
-          <a:blip r:embed="rId2">
+          <a:blip r:embed="rId2" cstate="print">
             <a:extLst>
               <a:ext uri="{28A0092B-C50C-407E-A947-70E740481C1C}">
                 <a14:useLocalDpi xmlns:a14="http://schemas.microsoft.com/office/drawing/2010/main" val="0"/>
@@ -6939,8 +6647,8 @@
         </p:blipFill>
         <p:spPr>
           <a:xfrm>
-            <a:off x="2143126" y="1441093"/>
-            <a:ext cx="4968875" cy="4385032"/>
+            <a:off x="0" y="1799764"/>
+            <a:ext cx="9144000" cy="3123075"/>
           </a:xfrm>
           <a:prstGeom prst="rect">
             <a:avLst/>
@@ -6950,7 +6658,7 @@
     </p:spTree>
     <p:extLst>
       <p:ext uri="{BB962C8B-B14F-4D97-AF65-F5344CB8AC3E}">
-        <p14:creationId xmlns:p14="http://schemas.microsoft.com/office/powerpoint/2010/main" val="2032386498"/>
+        <p14:creationId xmlns:p14="http://schemas.microsoft.com/office/powerpoint/2010/main" val="312417777"/>
       </p:ext>
     </p:extLst>
   </p:cSld>
@@ -7001,7 +6709,7 @@
           <a:p>
             <a:r>
               <a:rPr lang="en-US" dirty="0" smtClean="0"/>
-              <a:t>Twitter: “Brussels” on 3/23/16</a:t>
+              <a:t>Which witch?</a:t>
             </a:r>
             <a:endParaRPr lang="en-US" dirty="0"/>
           </a:p>
@@ -7009,7 +6717,7 @@
       </p:sp>
       <p:pic>
         <p:nvPicPr>
-          <p:cNvPr id="4" name="Content Placeholder 3"/>
+          <p:cNvPr id="4" name="Content Placeholder 3" descr="Screen Shot 2016-01-29 at 6.31.23 AM.png"/>
           <p:cNvPicPr>
             <a:picLocks noGrp="1" noChangeAspect="1"/>
           </p:cNvPicPr>
@@ -7018,8 +6726,14 @@
           </p:nvPr>
         </p:nvPicPr>
         <p:blipFill>
-          <a:blip r:embed="rId2"/>
-          <a:srcRect l="-20185" r="-20185"/>
+          <a:blip r:embed="rId2">
+            <a:extLst>
+              <a:ext uri="{28A0092B-C50C-407E-A947-70E740481C1C}">
+                <a14:useLocalDpi xmlns:a14="http://schemas.microsoft.com/office/drawing/2010/main" val="0"/>
+              </a:ext>
+            </a:extLst>
+          </a:blip>
+          <a:srcRect t="13783" b="13783"/>
           <a:stretch>
             <a:fillRect/>
           </a:stretch>
@@ -7029,7 +6743,7 @@
     </p:spTree>
     <p:extLst>
       <p:ext uri="{BB962C8B-B14F-4D97-AF65-F5344CB8AC3E}">
-        <p14:creationId xmlns:p14="http://schemas.microsoft.com/office/powerpoint/2010/main" val="2026665338"/>
+        <p14:creationId xmlns:p14="http://schemas.microsoft.com/office/powerpoint/2010/main" val="4004936897"/>
       </p:ext>
     </p:extLst>
   </p:cSld>
